--- a/img/img.pptx
+++ b/img/img.pptx
@@ -8,6 +8,10 @@
     <p:sldId id="257" r:id="rId2"/>
     <p:sldId id="256" r:id="rId3"/>
     <p:sldId id="258" r:id="rId4"/>
+    <p:sldId id="259" r:id="rId5"/>
+    <p:sldId id="260" r:id="rId6"/>
+    <p:sldId id="262" r:id="rId7"/>
+    <p:sldId id="261" r:id="rId8"/>
   </p:sldIdLst>
   <p:sldSz cx="12192000" cy="6858000"/>
   <p:notesSz cx="6858000" cy="9144000"/>
@@ -5636,6 +5640,871 @@
 </p:sld>
 </file>
 
+<file path=ppt/slides/slide4.xml><?xml version="1.0" encoding="utf-8"?>
+<p:sld xmlns:a="http://schemas.openxmlformats.org/drawingml/2006/main" xmlns:r="http://schemas.openxmlformats.org/officeDocument/2006/relationships" xmlns:p="http://schemas.openxmlformats.org/presentationml/2006/main">
+  <p:cSld>
+    <p:spTree>
+      <p:nvGrpSpPr>
+        <p:cNvPr id="1" name="">
+          <a:extLst>
+            <a:ext uri="{FF2B5EF4-FFF2-40B4-BE49-F238E27FC236}">
+              <a16:creationId xmlns:a16="http://schemas.microsoft.com/office/drawing/2014/main" id="{1FE92EE0-DCB9-0621-A57F-4EC94024378B}"/>
+            </a:ext>
+          </a:extLst>
+        </p:cNvPr>
+        <p:cNvGrpSpPr/>
+        <p:nvPr/>
+      </p:nvGrpSpPr>
+      <p:grpSpPr>
+        <a:xfrm>
+          <a:off x="0" y="0"/>
+          <a:ext cx="0" cy="0"/>
+          <a:chOff x="0" y="0"/>
+          <a:chExt cx="0" cy="0"/>
+        </a:xfrm>
+      </p:grpSpPr>
+      <p:graphicFrame>
+        <p:nvGraphicFramePr>
+          <p:cNvPr id="4" name="Table 3">
+            <a:extLst>
+              <a:ext uri="{FF2B5EF4-FFF2-40B4-BE49-F238E27FC236}">
+                <a16:creationId xmlns:a16="http://schemas.microsoft.com/office/drawing/2014/main" id="{3F7C4EE4-2275-20C3-A835-C219B27E4E02}"/>
+              </a:ext>
+            </a:extLst>
+          </p:cNvPr>
+          <p:cNvGraphicFramePr>
+            <a:graphicFrameLocks noGrp="1"/>
+          </p:cNvGraphicFramePr>
+          <p:nvPr/>
+        </p:nvGraphicFramePr>
+        <p:xfrm>
+          <a:off x="669073" y="719665"/>
+          <a:ext cx="10827834" cy="5491564"/>
+        </p:xfrm>
+        <a:graphic>
+          <a:graphicData uri="http://schemas.openxmlformats.org/drawingml/2006/table">
+            <a:tbl>
+              <a:tblPr firstRow="1" bandRow="1">
+                <a:tableStyleId>{2D5ABB26-0587-4C30-8999-92F81FD0307C}</a:tableStyleId>
+              </a:tblPr>
+              <a:tblGrid>
+                <a:gridCol w="10827834">
+                  <a:extLst>
+                    <a:ext uri="{9D8B030D-6E8A-4147-A177-3AD203B41FA5}">
+                      <a16:colId xmlns:a16="http://schemas.microsoft.com/office/drawing/2014/main" val="2349028497"/>
+                    </a:ext>
+                  </a:extLst>
+                </a:gridCol>
+              </a:tblGrid>
+              <a:tr h="1372891">
+                <a:tc>
+                  <a:txBody>
+                    <a:bodyPr/>
+                    <a:lstStyle/>
+                    <a:p>
+                      <a:endParaRPr lang="en-NL" dirty="0"/>
+                    </a:p>
+                  </a:txBody>
+                  <a:tcPr>
+                    <a:lnB w="12700" cap="flat" cmpd="sng" algn="ctr">
+                      <a:solidFill>
+                        <a:schemeClr val="tx1"/>
+                      </a:solidFill>
+                      <a:prstDash val="dash"/>
+                      <a:round/>
+                      <a:headEnd type="none" w="med" len="med"/>
+                      <a:tailEnd type="none" w="med" len="med"/>
+                    </a:lnB>
+                  </a:tcPr>
+                </a:tc>
+                <a:extLst>
+                  <a:ext uri="{0D108BD9-81ED-4DB2-BD59-A6C34878D82A}">
+                    <a16:rowId xmlns:a16="http://schemas.microsoft.com/office/drawing/2014/main" val="732566158"/>
+                  </a:ext>
+                </a:extLst>
+              </a:tr>
+              <a:tr h="1372891">
+                <a:tc>
+                  <a:txBody>
+                    <a:bodyPr/>
+                    <a:lstStyle/>
+                    <a:p>
+                      <a:endParaRPr lang="en-NL" dirty="0"/>
+                    </a:p>
+                  </a:txBody>
+                  <a:tcPr>
+                    <a:lnT w="12700" cap="flat" cmpd="sng" algn="ctr">
+                      <a:solidFill>
+                        <a:schemeClr val="tx1"/>
+                      </a:solidFill>
+                      <a:prstDash val="dash"/>
+                      <a:round/>
+                      <a:headEnd type="none" w="med" len="med"/>
+                      <a:tailEnd type="none" w="med" len="med"/>
+                    </a:lnT>
+                    <a:lnB w="12700" cap="flat" cmpd="sng" algn="ctr">
+                      <a:solidFill>
+                        <a:schemeClr val="tx1"/>
+                      </a:solidFill>
+                      <a:prstDash val="dash"/>
+                      <a:round/>
+                      <a:headEnd type="none" w="med" len="med"/>
+                      <a:tailEnd type="none" w="med" len="med"/>
+                    </a:lnB>
+                  </a:tcPr>
+                </a:tc>
+                <a:extLst>
+                  <a:ext uri="{0D108BD9-81ED-4DB2-BD59-A6C34878D82A}">
+                    <a16:rowId xmlns:a16="http://schemas.microsoft.com/office/drawing/2014/main" val="2965588949"/>
+                  </a:ext>
+                </a:extLst>
+              </a:tr>
+              <a:tr h="1372891">
+                <a:tc>
+                  <a:txBody>
+                    <a:bodyPr/>
+                    <a:lstStyle/>
+                    <a:p>
+                      <a:endParaRPr lang="en-NL" dirty="0"/>
+                    </a:p>
+                  </a:txBody>
+                  <a:tcPr>
+                    <a:lnT w="12700" cap="flat" cmpd="sng" algn="ctr">
+                      <a:solidFill>
+                        <a:schemeClr val="tx1"/>
+                      </a:solidFill>
+                      <a:prstDash val="dash"/>
+                      <a:round/>
+                      <a:headEnd type="none" w="med" len="med"/>
+                      <a:tailEnd type="none" w="med" len="med"/>
+                    </a:lnT>
+                    <a:lnB w="12700" cap="flat" cmpd="sng" algn="ctr">
+                      <a:solidFill>
+                        <a:schemeClr val="tx1"/>
+                      </a:solidFill>
+                      <a:prstDash val="dash"/>
+                      <a:round/>
+                      <a:headEnd type="none" w="med" len="med"/>
+                      <a:tailEnd type="none" w="med" len="med"/>
+                    </a:lnB>
+                  </a:tcPr>
+                </a:tc>
+                <a:extLst>
+                  <a:ext uri="{0D108BD9-81ED-4DB2-BD59-A6C34878D82A}">
+                    <a16:rowId xmlns:a16="http://schemas.microsoft.com/office/drawing/2014/main" val="1372400480"/>
+                  </a:ext>
+                </a:extLst>
+              </a:tr>
+              <a:tr h="1372891">
+                <a:tc>
+                  <a:txBody>
+                    <a:bodyPr/>
+                    <a:lstStyle/>
+                    <a:p>
+                      <a:endParaRPr lang="en-NL" dirty="0"/>
+                    </a:p>
+                  </a:txBody>
+                  <a:tcPr>
+                    <a:lnT w="12700" cap="flat" cmpd="sng" algn="ctr">
+                      <a:solidFill>
+                        <a:schemeClr val="tx1"/>
+                      </a:solidFill>
+                      <a:prstDash val="dash"/>
+                      <a:round/>
+                      <a:headEnd type="none" w="med" len="med"/>
+                      <a:tailEnd type="none" w="med" len="med"/>
+                    </a:lnT>
+                  </a:tcPr>
+                </a:tc>
+                <a:extLst>
+                  <a:ext uri="{0D108BD9-81ED-4DB2-BD59-A6C34878D82A}">
+                    <a16:rowId xmlns:a16="http://schemas.microsoft.com/office/drawing/2014/main" val="3791846079"/>
+                  </a:ext>
+                </a:extLst>
+              </a:tr>
+            </a:tbl>
+          </a:graphicData>
+        </a:graphic>
+      </p:graphicFrame>
+      <p:sp>
+        <p:nvSpPr>
+          <p:cNvPr id="5" name="Rectangle 4">
+            <a:extLst>
+              <a:ext uri="{FF2B5EF4-FFF2-40B4-BE49-F238E27FC236}">
+                <a16:creationId xmlns:a16="http://schemas.microsoft.com/office/drawing/2014/main" id="{7482B995-F856-98E7-6E8B-5D41D95D9EFF}"/>
+              </a:ext>
+            </a:extLst>
+          </p:cNvPr>
+          <p:cNvSpPr/>
+          <p:nvPr/>
+        </p:nvSpPr>
+        <p:spPr>
+          <a:xfrm>
+            <a:off x="2479244" y="925157"/>
+            <a:ext cx="1512000" cy="947854"/>
+          </a:xfrm>
+          <a:prstGeom prst="rect">
+            <a:avLst/>
+          </a:prstGeom>
+          <a:solidFill>
+            <a:schemeClr val="accent4">
+              <a:lumMod val="50000"/>
+            </a:schemeClr>
+          </a:solidFill>
+          <a:ln>
+            <a:solidFill>
+              <a:schemeClr val="tx2">
+                <a:lumMod val="90000"/>
+                <a:lumOff val="10000"/>
+              </a:schemeClr>
+            </a:solidFill>
+          </a:ln>
+        </p:spPr>
+        <p:style>
+          <a:lnRef idx="2">
+            <a:schemeClr val="accent1">
+              <a:shade val="15000"/>
+            </a:schemeClr>
+          </a:lnRef>
+          <a:fillRef idx="1">
+            <a:schemeClr val="accent1"/>
+          </a:fillRef>
+          <a:effectRef idx="0">
+            <a:schemeClr val="accent1"/>
+          </a:effectRef>
+          <a:fontRef idx="minor">
+            <a:schemeClr val="lt1"/>
+          </a:fontRef>
+        </p:style>
+        <p:txBody>
+          <a:bodyPr rtlCol="0" anchor="ctr"/>
+          <a:lstStyle/>
+          <a:p>
+            <a:pPr algn="ctr"/>
+            <a:r>
+              <a:rPr lang="en-NL" sz="2000" dirty="0">
+                <a:solidFill>
+                  <a:schemeClr val="bg1"/>
+                </a:solidFill>
+              </a:rPr>
+              <a:t>text</a:t>
+            </a:r>
+          </a:p>
+        </p:txBody>
+      </p:sp>
+      <p:sp>
+        <p:nvSpPr>
+          <p:cNvPr id="6" name="Rectangle 5">
+            <a:extLst>
+              <a:ext uri="{FF2B5EF4-FFF2-40B4-BE49-F238E27FC236}">
+                <a16:creationId xmlns:a16="http://schemas.microsoft.com/office/drawing/2014/main" id="{289BB5FC-2D64-797C-0B64-4DF06FBE94DB}"/>
+              </a:ext>
+            </a:extLst>
+          </p:cNvPr>
+          <p:cNvSpPr/>
+          <p:nvPr/>
+        </p:nvSpPr>
+        <p:spPr>
+          <a:xfrm>
+            <a:off x="5777944" y="2287313"/>
+            <a:ext cx="1512000" cy="947854"/>
+          </a:xfrm>
+          <a:prstGeom prst="rect">
+            <a:avLst/>
+          </a:prstGeom>
+          <a:solidFill>
+            <a:schemeClr val="accent4">
+              <a:lumMod val="50000"/>
+            </a:schemeClr>
+          </a:solidFill>
+          <a:ln>
+            <a:solidFill>
+              <a:schemeClr val="tx2">
+                <a:lumMod val="90000"/>
+                <a:lumOff val="10000"/>
+              </a:schemeClr>
+            </a:solidFill>
+          </a:ln>
+        </p:spPr>
+        <p:style>
+          <a:lnRef idx="2">
+            <a:schemeClr val="accent1">
+              <a:shade val="15000"/>
+            </a:schemeClr>
+          </a:lnRef>
+          <a:fillRef idx="1">
+            <a:schemeClr val="accent1"/>
+          </a:fillRef>
+          <a:effectRef idx="0">
+            <a:schemeClr val="accent1"/>
+          </a:effectRef>
+          <a:fontRef idx="minor">
+            <a:schemeClr val="lt1"/>
+          </a:fontRef>
+        </p:style>
+        <p:txBody>
+          <a:bodyPr rtlCol="0" anchor="ctr"/>
+          <a:lstStyle/>
+          <a:p>
+            <a:pPr algn="ctr"/>
+            <a:r>
+              <a:rPr lang="en-NL" sz="2000" dirty="0">
+                <a:solidFill>
+                  <a:schemeClr val="bg1"/>
+                </a:solidFill>
+              </a:rPr>
+              <a:t>bounding</a:t>
+            </a:r>
+            <a:br>
+              <a:rPr lang="en-NL" sz="2000" dirty="0">
+                <a:solidFill>
+                  <a:schemeClr val="bg1"/>
+                </a:solidFill>
+              </a:rPr>
+            </a:br>
+            <a:r>
+              <a:rPr lang="en-NL" sz="2000" dirty="0">
+                <a:solidFill>
+                  <a:schemeClr val="bg1"/>
+                </a:solidFill>
+              </a:rPr>
+              <a:t>box</a:t>
+            </a:r>
+          </a:p>
+        </p:txBody>
+      </p:sp>
+      <p:sp>
+        <p:nvSpPr>
+          <p:cNvPr id="29" name="Diamond 28">
+            <a:extLst>
+              <a:ext uri="{FF2B5EF4-FFF2-40B4-BE49-F238E27FC236}">
+                <a16:creationId xmlns:a16="http://schemas.microsoft.com/office/drawing/2014/main" id="{0425A878-7AEB-193E-0309-828F73375364}"/>
+              </a:ext>
+            </a:extLst>
+          </p:cNvPr>
+          <p:cNvSpPr/>
+          <p:nvPr/>
+        </p:nvSpPr>
+        <p:spPr>
+          <a:xfrm>
+            <a:off x="3533494" y="2287313"/>
+            <a:ext cx="1512000" cy="946800"/>
+          </a:xfrm>
+          <a:prstGeom prst="diamond">
+            <a:avLst/>
+          </a:prstGeom>
+          <a:noFill/>
+          <a:ln>
+            <a:solidFill>
+              <a:schemeClr val="tx2">
+                <a:lumMod val="90000"/>
+                <a:lumOff val="10000"/>
+              </a:schemeClr>
+            </a:solidFill>
+          </a:ln>
+        </p:spPr>
+        <p:style>
+          <a:lnRef idx="2">
+            <a:schemeClr val="accent1">
+              <a:shade val="15000"/>
+            </a:schemeClr>
+          </a:lnRef>
+          <a:fillRef idx="1">
+            <a:schemeClr val="accent1"/>
+          </a:fillRef>
+          <a:effectRef idx="0">
+            <a:schemeClr val="accent1"/>
+          </a:effectRef>
+          <a:fontRef idx="minor">
+            <a:schemeClr val="lt1"/>
+          </a:fontRef>
+        </p:style>
+        <p:txBody>
+          <a:bodyPr lIns="0" rIns="0" rtlCol="0" anchor="ctr"/>
+          <a:lstStyle/>
+          <a:p>
+            <a:pPr algn="ctr"/>
+            <a:r>
+              <a:rPr lang="en-NL" sz="2000" b="1" dirty="0">
+                <a:solidFill>
+                  <a:schemeClr val="tx2">
+                    <a:lumMod val="90000"/>
+                    <a:lumOff val="10000"/>
+                  </a:schemeClr>
+                </a:solidFill>
+              </a:rPr>
+              <a:t>detect</a:t>
+            </a:r>
+          </a:p>
+        </p:txBody>
+      </p:sp>
+      <p:cxnSp>
+        <p:nvCxnSpPr>
+          <p:cNvPr id="52" name="Elbow Connector 51">
+            <a:extLst>
+              <a:ext uri="{FF2B5EF4-FFF2-40B4-BE49-F238E27FC236}">
+                <a16:creationId xmlns:a16="http://schemas.microsoft.com/office/drawing/2014/main" id="{558BF046-DB35-1FD3-EA97-E8822DC5A0EC}"/>
+              </a:ext>
+            </a:extLst>
+          </p:cNvPr>
+          <p:cNvCxnSpPr>
+            <a:endCxn id="29" idx="1"/>
+          </p:cNvCxnSpPr>
+          <p:nvPr/>
+        </p:nvCxnSpPr>
+        <p:spPr>
+          <a:xfrm rot="16200000" flipH="1">
+            <a:off x="2957468" y="2184687"/>
+            <a:ext cx="856610" cy="295442"/>
+          </a:xfrm>
+          <a:prstGeom prst="bentConnector2">
+            <a:avLst/>
+          </a:prstGeom>
+          <a:ln>
+            <a:tailEnd type="triangle"/>
+          </a:ln>
+        </p:spPr>
+        <p:style>
+          <a:lnRef idx="2">
+            <a:schemeClr val="accent1"/>
+          </a:lnRef>
+          <a:fillRef idx="0">
+            <a:schemeClr val="accent1"/>
+          </a:fillRef>
+          <a:effectRef idx="1">
+            <a:schemeClr val="accent1"/>
+          </a:effectRef>
+          <a:fontRef idx="minor">
+            <a:schemeClr val="tx1"/>
+          </a:fontRef>
+        </p:style>
+      </p:cxnSp>
+      <p:cxnSp>
+        <p:nvCxnSpPr>
+          <p:cNvPr id="54" name="Straight Arrow Connector 53">
+            <a:extLst>
+              <a:ext uri="{FF2B5EF4-FFF2-40B4-BE49-F238E27FC236}">
+                <a16:creationId xmlns:a16="http://schemas.microsoft.com/office/drawing/2014/main" id="{187BAEF4-69DB-9715-3948-FBC42872AD14}"/>
+              </a:ext>
+            </a:extLst>
+          </p:cNvPr>
+          <p:cNvCxnSpPr>
+            <a:stCxn id="29" idx="3"/>
+          </p:cNvCxnSpPr>
+          <p:nvPr/>
+        </p:nvCxnSpPr>
+        <p:spPr>
+          <a:xfrm>
+            <a:off x="5045494" y="2760713"/>
+            <a:ext cx="732450" cy="0"/>
+          </a:xfrm>
+          <a:prstGeom prst="straightConnector1">
+            <a:avLst/>
+          </a:prstGeom>
+          <a:ln>
+            <a:tailEnd type="triangle"/>
+          </a:ln>
+        </p:spPr>
+        <p:style>
+          <a:lnRef idx="2">
+            <a:schemeClr val="accent1"/>
+          </a:lnRef>
+          <a:fillRef idx="0">
+            <a:schemeClr val="accent1"/>
+          </a:fillRef>
+          <a:effectRef idx="1">
+            <a:schemeClr val="accent1"/>
+          </a:effectRef>
+          <a:fontRef idx="minor">
+            <a:schemeClr val="tx1"/>
+          </a:fontRef>
+        </p:style>
+      </p:cxnSp>
+      <p:sp>
+        <p:nvSpPr>
+          <p:cNvPr id="55" name="TextBox 54">
+            <a:extLst>
+              <a:ext uri="{FF2B5EF4-FFF2-40B4-BE49-F238E27FC236}">
+                <a16:creationId xmlns:a16="http://schemas.microsoft.com/office/drawing/2014/main" id="{BF92B399-DDAC-3762-CA59-78F574DD61F3}"/>
+              </a:ext>
+            </a:extLst>
+          </p:cNvPr>
+          <p:cNvSpPr txBox="1"/>
+          <p:nvPr/>
+        </p:nvSpPr>
+        <p:spPr>
+          <a:xfrm>
+            <a:off x="585458" y="1108039"/>
+            <a:ext cx="1441420" cy="707886"/>
+          </a:xfrm>
+          <a:prstGeom prst="rect">
+            <a:avLst/>
+          </a:prstGeom>
+          <a:noFill/>
+        </p:spPr>
+        <p:txBody>
+          <a:bodyPr wrap="none" rtlCol="0">
+            <a:spAutoFit/>
+          </a:bodyPr>
+          <a:lstStyle/>
+          <a:p>
+            <a:r>
+              <a:rPr lang="en-NL" sz="2000" dirty="0"/>
+              <a:t>object</a:t>
+            </a:r>
+            <a:br>
+              <a:rPr lang="en-NL" sz="2000" dirty="0"/>
+            </a:br>
+            <a:r>
+              <a:rPr lang="en-NL" sz="2000" dirty="0"/>
+              <a:t>description</a:t>
+            </a:r>
+          </a:p>
+        </p:txBody>
+      </p:sp>
+      <p:sp>
+        <p:nvSpPr>
+          <p:cNvPr id="56" name="TextBox 55">
+            <a:extLst>
+              <a:ext uri="{FF2B5EF4-FFF2-40B4-BE49-F238E27FC236}">
+                <a16:creationId xmlns:a16="http://schemas.microsoft.com/office/drawing/2014/main" id="{502A8336-5FE1-985E-3A0C-EF95AC2386C4}"/>
+              </a:ext>
+            </a:extLst>
+          </p:cNvPr>
+          <p:cNvSpPr txBox="1"/>
+          <p:nvPr/>
+        </p:nvSpPr>
+        <p:spPr>
+          <a:xfrm>
+            <a:off x="592677" y="2576047"/>
+            <a:ext cx="1539204" cy="707886"/>
+          </a:xfrm>
+          <a:prstGeom prst="rect">
+            <a:avLst/>
+          </a:prstGeom>
+          <a:noFill/>
+        </p:spPr>
+        <p:txBody>
+          <a:bodyPr wrap="none" rtlCol="0">
+            <a:spAutoFit/>
+          </a:bodyPr>
+          <a:lstStyle/>
+          <a:p>
+            <a:r>
+              <a:rPr lang="en-NL" sz="2000" dirty="0"/>
+              <a:t>Grounding</a:t>
+            </a:r>
+            <a:br>
+              <a:rPr lang="en-NL" sz="2000" dirty="0"/>
+            </a:br>
+            <a:r>
+              <a:rPr lang="en-NL" sz="2000" dirty="0"/>
+              <a:t>DINO Model</a:t>
+            </a:r>
+          </a:p>
+        </p:txBody>
+      </p:sp>
+    </p:spTree>
+    <p:extLst>
+      <p:ext uri="{BB962C8B-B14F-4D97-AF65-F5344CB8AC3E}">
+        <p14:creationId xmlns:p14="http://schemas.microsoft.com/office/powerpoint/2010/main" val="4124058479"/>
+      </p:ext>
+    </p:extLst>
+  </p:cSld>
+  <p:clrMapOvr>
+    <a:masterClrMapping/>
+  </p:clrMapOvr>
+</p:sld>
+</file>
+
+<file path=ppt/slides/slide5.xml><?xml version="1.0" encoding="utf-8"?>
+<p:sld xmlns:a="http://schemas.openxmlformats.org/drawingml/2006/main" xmlns:r="http://schemas.openxmlformats.org/officeDocument/2006/relationships" xmlns:p="http://schemas.openxmlformats.org/presentationml/2006/main">
+  <p:cSld>
+    <p:spTree>
+      <p:nvGrpSpPr>
+        <p:cNvPr id="1" name=""/>
+        <p:cNvGrpSpPr/>
+        <p:nvPr/>
+      </p:nvGrpSpPr>
+      <p:grpSpPr>
+        <a:xfrm>
+          <a:off x="0" y="0"/>
+          <a:ext cx="0" cy="0"/>
+          <a:chOff x="0" y="0"/>
+          <a:chExt cx="0" cy="0"/>
+        </a:xfrm>
+      </p:grpSpPr>
+      <p:pic>
+        <p:nvPicPr>
+          <p:cNvPr id="5" name="Picture 4" descr="A screenshot of a computer&#10;&#10;AI-generated content may be incorrect.">
+            <a:extLst>
+              <a:ext uri="{FF2B5EF4-FFF2-40B4-BE49-F238E27FC236}">
+                <a16:creationId xmlns:a16="http://schemas.microsoft.com/office/drawing/2014/main" id="{365CAA57-CB7B-AE91-DB17-0EFB76E3259A}"/>
+              </a:ext>
+            </a:extLst>
+          </p:cNvPr>
+          <p:cNvPicPr>
+            <a:picLocks noChangeAspect="1"/>
+          </p:cNvPicPr>
+          <p:nvPr/>
+        </p:nvPicPr>
+        <p:blipFill>
+          <a:blip r:embed="rId2"/>
+          <a:stretch>
+            <a:fillRect/>
+          </a:stretch>
+        </p:blipFill>
+        <p:spPr>
+          <a:xfrm>
+            <a:off x="-1" y="-1"/>
+            <a:ext cx="11770335" cy="6858001"/>
+          </a:xfrm>
+          <a:prstGeom prst="rect">
+            <a:avLst/>
+          </a:prstGeom>
+        </p:spPr>
+      </p:pic>
+    </p:spTree>
+    <p:extLst>
+      <p:ext uri="{BB962C8B-B14F-4D97-AF65-F5344CB8AC3E}">
+        <p14:creationId xmlns:p14="http://schemas.microsoft.com/office/powerpoint/2010/main" val="322066647"/>
+      </p:ext>
+    </p:extLst>
+  </p:cSld>
+  <p:clrMapOvr>
+    <a:masterClrMapping/>
+  </p:clrMapOvr>
+</p:sld>
+</file>
+
+<file path=ppt/slides/slide6.xml><?xml version="1.0" encoding="utf-8"?>
+<p:sld xmlns:a="http://schemas.openxmlformats.org/drawingml/2006/main" xmlns:r="http://schemas.openxmlformats.org/officeDocument/2006/relationships" xmlns:p="http://schemas.openxmlformats.org/presentationml/2006/main">
+  <p:cSld>
+    <p:spTree>
+      <p:nvGrpSpPr>
+        <p:cNvPr id="1" name="">
+          <a:extLst>
+            <a:ext uri="{FF2B5EF4-FFF2-40B4-BE49-F238E27FC236}">
+              <a16:creationId xmlns:a16="http://schemas.microsoft.com/office/drawing/2014/main" id="{7B5BE0D8-059F-2214-75D6-90D33CA90AD3}"/>
+            </a:ext>
+          </a:extLst>
+        </p:cNvPr>
+        <p:cNvGrpSpPr/>
+        <p:nvPr/>
+      </p:nvGrpSpPr>
+      <p:grpSpPr>
+        <a:xfrm>
+          <a:off x="0" y="0"/>
+          <a:ext cx="0" cy="0"/>
+          <a:chOff x="0" y="0"/>
+          <a:chExt cx="0" cy="0"/>
+        </a:xfrm>
+      </p:grpSpPr>
+      <p:pic>
+        <p:nvPicPr>
+          <p:cNvPr id="5" name="Picture 4" descr="A screenshot of a computer&#10;&#10;AI-generated content may be incorrect.">
+            <a:extLst>
+              <a:ext uri="{FF2B5EF4-FFF2-40B4-BE49-F238E27FC236}">
+                <a16:creationId xmlns:a16="http://schemas.microsoft.com/office/drawing/2014/main" id="{CC719C51-2944-C440-4BF7-72DA4004E312}"/>
+              </a:ext>
+            </a:extLst>
+          </p:cNvPr>
+          <p:cNvPicPr>
+            <a:picLocks noChangeAspect="1"/>
+          </p:cNvPicPr>
+          <p:nvPr/>
+        </p:nvPicPr>
+        <p:blipFill>
+          <a:blip r:embed="rId2"/>
+          <a:stretch>
+            <a:fillRect/>
+          </a:stretch>
+        </p:blipFill>
+        <p:spPr>
+          <a:xfrm>
+            <a:off x="-1" y="-1"/>
+            <a:ext cx="11770335" cy="6858001"/>
+          </a:xfrm>
+          <a:prstGeom prst="rect">
+            <a:avLst/>
+          </a:prstGeom>
+        </p:spPr>
+      </p:pic>
+      <p:sp>
+        <p:nvSpPr>
+          <p:cNvPr id="2" name="Oval 1">
+            <a:extLst>
+              <a:ext uri="{FF2B5EF4-FFF2-40B4-BE49-F238E27FC236}">
+                <a16:creationId xmlns:a16="http://schemas.microsoft.com/office/drawing/2014/main" id="{87C262F2-26BE-CB4B-A38E-0272034CF46B}"/>
+              </a:ext>
+            </a:extLst>
+          </p:cNvPr>
+          <p:cNvSpPr/>
+          <p:nvPr/>
+        </p:nvSpPr>
+        <p:spPr>
+          <a:xfrm>
+            <a:off x="5885166" y="183995"/>
+            <a:ext cx="4973444" cy="4973444"/>
+          </a:xfrm>
+          <a:prstGeom prst="ellipse">
+            <a:avLst/>
+          </a:prstGeom>
+          <a:blipFill dpi="0" rotWithShape="1">
+            <a:blip r:embed="rId3">
+              <a:extLst>
+                <a:ext uri="{28A0092B-C50C-407E-A947-70E740481C1C}">
+                  <a14:useLocalDpi xmlns:a14="http://schemas.microsoft.com/office/drawing/2010/main" val="0"/>
+                </a:ext>
+              </a:extLst>
+            </a:blip>
+            <a:srcRect/>
+            <a:stretch>
+              <a:fillRect/>
+            </a:stretch>
+          </a:blipFill>
+          <a:ln>
+            <a:solidFill>
+              <a:schemeClr val="bg2">
+                <a:lumMod val="75000"/>
+              </a:schemeClr>
+            </a:solidFill>
+          </a:ln>
+        </p:spPr>
+        <p:style>
+          <a:lnRef idx="2">
+            <a:schemeClr val="accent1">
+              <a:shade val="15000"/>
+            </a:schemeClr>
+          </a:lnRef>
+          <a:fillRef idx="1">
+            <a:schemeClr val="accent1"/>
+          </a:fillRef>
+          <a:effectRef idx="0">
+            <a:schemeClr val="accent1"/>
+          </a:effectRef>
+          <a:fontRef idx="minor">
+            <a:schemeClr val="lt1"/>
+          </a:fontRef>
+        </p:style>
+        <p:txBody>
+          <a:bodyPr rtlCol="0" anchor="ctr"/>
+          <a:lstStyle/>
+          <a:p>
+            <a:pPr algn="ctr"/>
+            <a:endParaRPr lang="en-NL"/>
+          </a:p>
+        </p:txBody>
+      </p:sp>
+    </p:spTree>
+    <p:extLst>
+      <p:ext uri="{BB962C8B-B14F-4D97-AF65-F5344CB8AC3E}">
+        <p14:creationId xmlns:p14="http://schemas.microsoft.com/office/powerpoint/2010/main" val="2979464118"/>
+      </p:ext>
+    </p:extLst>
+  </p:cSld>
+  <p:clrMapOvr>
+    <a:masterClrMapping/>
+  </p:clrMapOvr>
+</p:sld>
+</file>
+
+<file path=ppt/slides/slide7.xml><?xml version="1.0" encoding="utf-8"?>
+<p:sld xmlns:a="http://schemas.openxmlformats.org/drawingml/2006/main" xmlns:r="http://schemas.openxmlformats.org/officeDocument/2006/relationships" xmlns:p="http://schemas.openxmlformats.org/presentationml/2006/main">
+  <p:cSld>
+    <p:spTree>
+      <p:nvGrpSpPr>
+        <p:cNvPr id="1" name=""/>
+        <p:cNvGrpSpPr/>
+        <p:nvPr/>
+      </p:nvGrpSpPr>
+      <p:grpSpPr>
+        <a:xfrm>
+          <a:off x="0" y="0"/>
+          <a:ext cx="0" cy="0"/>
+          <a:chOff x="0" y="0"/>
+          <a:chExt cx="0" cy="0"/>
+        </a:xfrm>
+      </p:grpSpPr>
+      <p:sp>
+        <p:nvSpPr>
+          <p:cNvPr id="4" name="Oval 3">
+            <a:extLst>
+              <a:ext uri="{FF2B5EF4-FFF2-40B4-BE49-F238E27FC236}">
+                <a16:creationId xmlns:a16="http://schemas.microsoft.com/office/drawing/2014/main" id="{6AC78858-B64F-79B5-55A9-B05ABEC11300}"/>
+              </a:ext>
+            </a:extLst>
+          </p:cNvPr>
+          <p:cNvSpPr/>
+          <p:nvPr/>
+        </p:nvSpPr>
+        <p:spPr>
+          <a:xfrm>
+            <a:off x="3713356" y="942278"/>
+            <a:ext cx="4973444" cy="4973444"/>
+          </a:xfrm>
+          <a:prstGeom prst="ellipse">
+            <a:avLst/>
+          </a:prstGeom>
+          <a:blipFill dpi="0" rotWithShape="1">
+            <a:blip r:embed="rId2">
+              <a:extLst>
+                <a:ext uri="{28A0092B-C50C-407E-A947-70E740481C1C}">
+                  <a14:useLocalDpi xmlns:a14="http://schemas.microsoft.com/office/drawing/2010/main" val="0"/>
+                </a:ext>
+              </a:extLst>
+            </a:blip>
+            <a:srcRect/>
+            <a:stretch>
+              <a:fillRect/>
+            </a:stretch>
+          </a:blipFill>
+          <a:ln>
+            <a:solidFill>
+              <a:schemeClr val="bg2">
+                <a:lumMod val="75000"/>
+              </a:schemeClr>
+            </a:solidFill>
+          </a:ln>
+        </p:spPr>
+        <p:style>
+          <a:lnRef idx="2">
+            <a:schemeClr val="accent1">
+              <a:shade val="15000"/>
+            </a:schemeClr>
+          </a:lnRef>
+          <a:fillRef idx="1">
+            <a:schemeClr val="accent1"/>
+          </a:fillRef>
+          <a:effectRef idx="0">
+            <a:schemeClr val="accent1"/>
+          </a:effectRef>
+          <a:fontRef idx="minor">
+            <a:schemeClr val="lt1"/>
+          </a:fontRef>
+        </p:style>
+        <p:txBody>
+          <a:bodyPr rtlCol="0" anchor="ctr"/>
+          <a:lstStyle/>
+          <a:p>
+            <a:pPr algn="ctr"/>
+            <a:endParaRPr lang="en-NL"/>
+          </a:p>
+        </p:txBody>
+      </p:sp>
+    </p:spTree>
+    <p:extLst>
+      <p:ext uri="{BB962C8B-B14F-4D97-AF65-F5344CB8AC3E}">
+        <p14:creationId xmlns:p14="http://schemas.microsoft.com/office/powerpoint/2010/main" val="1581795117"/>
+      </p:ext>
+    </p:extLst>
+  </p:cSld>
+  <p:clrMapOvr>
+    <a:masterClrMapping/>
+  </p:clrMapOvr>
+</p:sld>
+</file>
+
 <file path=ppt/theme/theme1.xml><?xml version="1.0" encoding="utf-8"?>
 <a:theme xmlns:a="http://schemas.openxmlformats.org/drawingml/2006/main" name="Office Theme">
   <a:themeElements>
